--- a/ws/src/navsim_pkg/models/UAM/aerotaxi/design/esquema.pptx
+++ b/ws/src/navsim_pkg/models/UAM/aerotaxi/design/esquema.pptx
@@ -8,6 +8,7 @@
     <p:sldId id="257" r:id="rId2"/>
     <p:sldId id="259" r:id="rId3"/>
     <p:sldId id="258" r:id="rId4"/>
+    <p:sldId id="260" r:id="rId5"/>
   </p:sldIdLst>
   <p:sldSz cx="12192000" cy="6858000"/>
   <p:notesSz cx="6858000" cy="9144000"/>
@@ -126,77 +127,6 @@
 <file path=ppt/changesInfos/changesInfo1.xml><?xml version="1.0" encoding="utf-8"?>
 <pc:chgInfo xmlns:a="http://schemas.openxmlformats.org/drawingml/2006/main" xmlns:r="http://schemas.openxmlformats.org/officeDocument/2006/relationships" xmlns:ac="http://schemas.microsoft.com/office/drawing/2013/main/command" xmlns:pc="http://schemas.microsoft.com/office/powerpoint/2013/main/command">
   <pc:docChgLst>
-    <pc:chgData name="Rafael Casado González" userId="1c71fca1-7e6b-4c6f-8614-522343b393e6" providerId="ADAL" clId="{D5884700-F9D0-4BE3-A562-C5FDCDF4505C}"/>
-    <pc:docChg chg="custSel addSld modSld">
-      <pc:chgData name="Rafael Casado González" userId="1c71fca1-7e6b-4c6f-8614-522343b393e6" providerId="ADAL" clId="{D5884700-F9D0-4BE3-A562-C5FDCDF4505C}" dt="2024-02-27T16:14:12.847" v="24" actId="22"/>
-      <pc:docMkLst>
-        <pc:docMk/>
-      </pc:docMkLst>
-      <pc:sldChg chg="addSp modSp mod">
-        <pc:chgData name="Rafael Casado González" userId="1c71fca1-7e6b-4c6f-8614-522343b393e6" providerId="ADAL" clId="{D5884700-F9D0-4BE3-A562-C5FDCDF4505C}" dt="2024-02-27T16:13:17.016" v="20" actId="5736"/>
-        <pc:sldMkLst>
-          <pc:docMk/>
-          <pc:sldMk cId="3860430913" sldId="257"/>
-        </pc:sldMkLst>
-        <pc:spChg chg="mod">
-          <ac:chgData name="Rafael Casado González" userId="1c71fca1-7e6b-4c6f-8614-522343b393e6" providerId="ADAL" clId="{D5884700-F9D0-4BE3-A562-C5FDCDF4505C}" dt="2024-02-27T16:11:09.754" v="2" actId="1076"/>
-          <ac:spMkLst>
-            <pc:docMk/>
-            <pc:sldMk cId="3860430913" sldId="257"/>
-            <ac:spMk id="2" creationId="{53EE831B-B648-F669-1362-23A05EC71EF3}"/>
-          </ac:spMkLst>
-        </pc:spChg>
-        <pc:spChg chg="add mod ord">
-          <ac:chgData name="Rafael Casado González" userId="1c71fca1-7e6b-4c6f-8614-522343b393e6" providerId="ADAL" clId="{D5884700-F9D0-4BE3-A562-C5FDCDF4505C}" dt="2024-02-27T16:13:17.016" v="20" actId="5736"/>
-          <ac:spMkLst>
-            <pc:docMk/>
-            <pc:sldMk cId="3860430913" sldId="257"/>
-            <ac:spMk id="3" creationId="{D81D2F53-D94B-EE21-2C8A-8761829D930C}"/>
-          </ac:spMkLst>
-        </pc:spChg>
-        <pc:graphicFrameChg chg="mod modGraphic">
-          <ac:chgData name="Rafael Casado González" userId="1c71fca1-7e6b-4c6f-8614-522343b393e6" providerId="ADAL" clId="{D5884700-F9D0-4BE3-A562-C5FDCDF4505C}" dt="2024-02-27T16:13:17.016" v="20" actId="5736"/>
-          <ac:graphicFrameMkLst>
-            <pc:docMk/>
-            <pc:sldMk cId="3860430913" sldId="257"/>
-            <ac:graphicFrameMk id="6" creationId="{970BCAAF-F548-5B4E-E249-299E7A29DFC4}"/>
-          </ac:graphicFrameMkLst>
-        </pc:graphicFrameChg>
-      </pc:sldChg>
-      <pc:sldChg chg="addSp delSp add mod delAnim">
-        <pc:chgData name="Rafael Casado González" userId="1c71fca1-7e6b-4c6f-8614-522343b393e6" providerId="ADAL" clId="{D5884700-F9D0-4BE3-A562-C5FDCDF4505C}" dt="2024-02-27T16:14:12.847" v="24" actId="22"/>
-        <pc:sldMkLst>
-          <pc:docMk/>
-          <pc:sldMk cId="4194905202" sldId="258"/>
-        </pc:sldMkLst>
-        <pc:spChg chg="del">
-          <ac:chgData name="Rafael Casado González" userId="1c71fca1-7e6b-4c6f-8614-522343b393e6" providerId="ADAL" clId="{D5884700-F9D0-4BE3-A562-C5FDCDF4505C}" dt="2024-02-27T16:14:11.271" v="23" actId="478"/>
-          <ac:spMkLst>
-            <pc:docMk/>
-            <pc:sldMk cId="4194905202" sldId="258"/>
-            <ac:spMk id="3" creationId="{08C2A39A-17B6-B3DC-0E03-BFF87EF56ECC}"/>
-          </ac:spMkLst>
-        </pc:spChg>
-        <pc:graphicFrameChg chg="del">
-          <ac:chgData name="Rafael Casado González" userId="1c71fca1-7e6b-4c6f-8614-522343b393e6" providerId="ADAL" clId="{D5884700-F9D0-4BE3-A562-C5FDCDF4505C}" dt="2024-02-27T16:14:10.722" v="22" actId="478"/>
-          <ac:graphicFrameMkLst>
-            <pc:docMk/>
-            <pc:sldMk cId="4194905202" sldId="258"/>
-            <ac:graphicFrameMk id="6" creationId="{F70D6574-3E13-FFE5-6D9A-D1EF6E8A9AC4}"/>
-          </ac:graphicFrameMkLst>
-        </pc:graphicFrameChg>
-        <pc:picChg chg="add">
-          <ac:chgData name="Rafael Casado González" userId="1c71fca1-7e6b-4c6f-8614-522343b393e6" providerId="ADAL" clId="{D5884700-F9D0-4BE3-A562-C5FDCDF4505C}" dt="2024-02-27T16:14:12.847" v="24" actId="22"/>
-          <ac:picMkLst>
-            <pc:docMk/>
-            <pc:sldMk cId="4194905202" sldId="258"/>
-            <ac:picMk id="5" creationId="{B2134610-ACFC-7255-9434-CDBE307332AD}"/>
-          </ac:picMkLst>
-        </pc:picChg>
-      </pc:sldChg>
-    </pc:docChg>
-  </pc:docChgLst>
-  <pc:docChgLst>
     <pc:chgData name="Rafael Casado González" userId="1c71fca1-7e6b-4c6f-8614-522343b393e6" providerId="ADAL" clId="{1A1CA0EC-01F4-4206-9F43-C83558EEA418}"/>
     <pc:docChg chg="custSel addSld modSld">
       <pc:chgData name="Rafael Casado González" userId="1c71fca1-7e6b-4c6f-8614-522343b393e6" providerId="ADAL" clId="{1A1CA0EC-01F4-4206-9F43-C83558EEA418}" dt="2024-02-27T17:10:05.548" v="8"/>
@@ -285,6 +215,77 @@
             <pc:docMk/>
             <pc:sldMk cId="2589969971" sldId="259"/>
             <ac:picMk id="3074" creationId="{1C1AE882-6E44-561F-54E8-60FFFF8A2CE5}"/>
+          </ac:picMkLst>
+        </pc:picChg>
+      </pc:sldChg>
+    </pc:docChg>
+  </pc:docChgLst>
+  <pc:docChgLst>
+    <pc:chgData name="Rafael Casado González" userId="1c71fca1-7e6b-4c6f-8614-522343b393e6" providerId="ADAL" clId="{D5884700-F9D0-4BE3-A562-C5FDCDF4505C}"/>
+    <pc:docChg chg="custSel addSld modSld">
+      <pc:chgData name="Rafael Casado González" userId="1c71fca1-7e6b-4c6f-8614-522343b393e6" providerId="ADAL" clId="{D5884700-F9D0-4BE3-A562-C5FDCDF4505C}" dt="2024-02-27T16:14:12.847" v="24" actId="22"/>
+      <pc:docMkLst>
+        <pc:docMk/>
+      </pc:docMkLst>
+      <pc:sldChg chg="addSp modSp mod">
+        <pc:chgData name="Rafael Casado González" userId="1c71fca1-7e6b-4c6f-8614-522343b393e6" providerId="ADAL" clId="{D5884700-F9D0-4BE3-A562-C5FDCDF4505C}" dt="2024-02-27T16:13:17.016" v="20" actId="5736"/>
+        <pc:sldMkLst>
+          <pc:docMk/>
+          <pc:sldMk cId="3860430913" sldId="257"/>
+        </pc:sldMkLst>
+        <pc:spChg chg="mod">
+          <ac:chgData name="Rafael Casado González" userId="1c71fca1-7e6b-4c6f-8614-522343b393e6" providerId="ADAL" clId="{D5884700-F9D0-4BE3-A562-C5FDCDF4505C}" dt="2024-02-27T16:11:09.754" v="2" actId="1076"/>
+          <ac:spMkLst>
+            <pc:docMk/>
+            <pc:sldMk cId="3860430913" sldId="257"/>
+            <ac:spMk id="2" creationId="{53EE831B-B648-F669-1362-23A05EC71EF3}"/>
+          </ac:spMkLst>
+        </pc:spChg>
+        <pc:spChg chg="add mod ord">
+          <ac:chgData name="Rafael Casado González" userId="1c71fca1-7e6b-4c6f-8614-522343b393e6" providerId="ADAL" clId="{D5884700-F9D0-4BE3-A562-C5FDCDF4505C}" dt="2024-02-27T16:13:17.016" v="20" actId="5736"/>
+          <ac:spMkLst>
+            <pc:docMk/>
+            <pc:sldMk cId="3860430913" sldId="257"/>
+            <ac:spMk id="3" creationId="{D81D2F53-D94B-EE21-2C8A-8761829D930C}"/>
+          </ac:spMkLst>
+        </pc:spChg>
+        <pc:graphicFrameChg chg="mod modGraphic">
+          <ac:chgData name="Rafael Casado González" userId="1c71fca1-7e6b-4c6f-8614-522343b393e6" providerId="ADAL" clId="{D5884700-F9D0-4BE3-A562-C5FDCDF4505C}" dt="2024-02-27T16:13:17.016" v="20" actId="5736"/>
+          <ac:graphicFrameMkLst>
+            <pc:docMk/>
+            <pc:sldMk cId="3860430913" sldId="257"/>
+            <ac:graphicFrameMk id="6" creationId="{970BCAAF-F548-5B4E-E249-299E7A29DFC4}"/>
+          </ac:graphicFrameMkLst>
+        </pc:graphicFrameChg>
+      </pc:sldChg>
+      <pc:sldChg chg="addSp delSp add mod delAnim">
+        <pc:chgData name="Rafael Casado González" userId="1c71fca1-7e6b-4c6f-8614-522343b393e6" providerId="ADAL" clId="{D5884700-F9D0-4BE3-A562-C5FDCDF4505C}" dt="2024-02-27T16:14:12.847" v="24" actId="22"/>
+        <pc:sldMkLst>
+          <pc:docMk/>
+          <pc:sldMk cId="4194905202" sldId="258"/>
+        </pc:sldMkLst>
+        <pc:spChg chg="del">
+          <ac:chgData name="Rafael Casado González" userId="1c71fca1-7e6b-4c6f-8614-522343b393e6" providerId="ADAL" clId="{D5884700-F9D0-4BE3-A562-C5FDCDF4505C}" dt="2024-02-27T16:14:11.271" v="23" actId="478"/>
+          <ac:spMkLst>
+            <pc:docMk/>
+            <pc:sldMk cId="4194905202" sldId="258"/>
+            <ac:spMk id="3" creationId="{08C2A39A-17B6-B3DC-0E03-BFF87EF56ECC}"/>
+          </ac:spMkLst>
+        </pc:spChg>
+        <pc:graphicFrameChg chg="del">
+          <ac:chgData name="Rafael Casado González" userId="1c71fca1-7e6b-4c6f-8614-522343b393e6" providerId="ADAL" clId="{D5884700-F9D0-4BE3-A562-C5FDCDF4505C}" dt="2024-02-27T16:14:10.722" v="22" actId="478"/>
+          <ac:graphicFrameMkLst>
+            <pc:docMk/>
+            <pc:sldMk cId="4194905202" sldId="258"/>
+            <ac:graphicFrameMk id="6" creationId="{F70D6574-3E13-FFE5-6D9A-D1EF6E8A9AC4}"/>
+          </ac:graphicFrameMkLst>
+        </pc:graphicFrameChg>
+        <pc:picChg chg="add">
+          <ac:chgData name="Rafael Casado González" userId="1c71fca1-7e6b-4c6f-8614-522343b393e6" providerId="ADAL" clId="{D5884700-F9D0-4BE3-A562-C5FDCDF4505C}" dt="2024-02-27T16:14:12.847" v="24" actId="22"/>
+          <ac:picMkLst>
+            <pc:docMk/>
+            <pc:sldMk cId="4194905202" sldId="258"/>
+            <ac:picMk id="5" creationId="{B2134610-ACFC-7255-9434-CDBE307332AD}"/>
           </ac:picMkLst>
         </pc:picChg>
       </pc:sldChg>
@@ -541,7 +542,7 @@
           <a:p>
             <a:fld id="{78A21EA7-D091-4EC2-913C-937FB2C50F01}" type="datetimeFigureOut">
               <a:rPr lang="es-ES" smtClean="0"/>
-              <a:t>27/02/2024</a:t>
+              <a:t>28/02/2024</a:t>
             </a:fld>
             <a:endParaRPr lang="es-ES"/>
           </a:p>
@@ -739,7 +740,7 @@
           <a:p>
             <a:fld id="{78A21EA7-D091-4EC2-913C-937FB2C50F01}" type="datetimeFigureOut">
               <a:rPr lang="es-ES" smtClean="0"/>
-              <a:t>27/02/2024</a:t>
+              <a:t>28/02/2024</a:t>
             </a:fld>
             <a:endParaRPr lang="es-ES"/>
           </a:p>
@@ -947,7 +948,7 @@
           <a:p>
             <a:fld id="{78A21EA7-D091-4EC2-913C-937FB2C50F01}" type="datetimeFigureOut">
               <a:rPr lang="es-ES" smtClean="0"/>
-              <a:t>27/02/2024</a:t>
+              <a:t>28/02/2024</a:t>
             </a:fld>
             <a:endParaRPr lang="es-ES"/>
           </a:p>
@@ -1145,7 +1146,7 @@
           <a:p>
             <a:fld id="{78A21EA7-D091-4EC2-913C-937FB2C50F01}" type="datetimeFigureOut">
               <a:rPr lang="es-ES" smtClean="0"/>
-              <a:t>27/02/2024</a:t>
+              <a:t>28/02/2024</a:t>
             </a:fld>
             <a:endParaRPr lang="es-ES"/>
           </a:p>
@@ -1420,7 +1421,7 @@
           <a:p>
             <a:fld id="{78A21EA7-D091-4EC2-913C-937FB2C50F01}" type="datetimeFigureOut">
               <a:rPr lang="es-ES" smtClean="0"/>
-              <a:t>27/02/2024</a:t>
+              <a:t>28/02/2024</a:t>
             </a:fld>
             <a:endParaRPr lang="es-ES"/>
           </a:p>
@@ -1685,7 +1686,7 @@
           <a:p>
             <a:fld id="{78A21EA7-D091-4EC2-913C-937FB2C50F01}" type="datetimeFigureOut">
               <a:rPr lang="es-ES" smtClean="0"/>
-              <a:t>27/02/2024</a:t>
+              <a:t>28/02/2024</a:t>
             </a:fld>
             <a:endParaRPr lang="es-ES"/>
           </a:p>
@@ -2097,7 +2098,7 @@
           <a:p>
             <a:fld id="{78A21EA7-D091-4EC2-913C-937FB2C50F01}" type="datetimeFigureOut">
               <a:rPr lang="es-ES" smtClean="0"/>
-              <a:t>27/02/2024</a:t>
+              <a:t>28/02/2024</a:t>
             </a:fld>
             <a:endParaRPr lang="es-ES"/>
           </a:p>
@@ -2238,7 +2239,7 @@
           <a:p>
             <a:fld id="{78A21EA7-D091-4EC2-913C-937FB2C50F01}" type="datetimeFigureOut">
               <a:rPr lang="es-ES" smtClean="0"/>
-              <a:t>27/02/2024</a:t>
+              <a:t>28/02/2024</a:t>
             </a:fld>
             <a:endParaRPr lang="es-ES"/>
           </a:p>
@@ -2351,7 +2352,7 @@
           <a:p>
             <a:fld id="{78A21EA7-D091-4EC2-913C-937FB2C50F01}" type="datetimeFigureOut">
               <a:rPr lang="es-ES" smtClean="0"/>
-              <a:t>27/02/2024</a:t>
+              <a:t>28/02/2024</a:t>
             </a:fld>
             <a:endParaRPr lang="es-ES"/>
           </a:p>
@@ -2662,7 +2663,7 @@
           <a:p>
             <a:fld id="{78A21EA7-D091-4EC2-913C-937FB2C50F01}" type="datetimeFigureOut">
               <a:rPr lang="es-ES" smtClean="0"/>
-              <a:t>27/02/2024</a:t>
+              <a:t>28/02/2024</a:t>
             </a:fld>
             <a:endParaRPr lang="es-ES"/>
           </a:p>
@@ -2950,7 +2951,7 @@
           <a:p>
             <a:fld id="{78A21EA7-D091-4EC2-913C-937FB2C50F01}" type="datetimeFigureOut">
               <a:rPr lang="es-ES" smtClean="0"/>
-              <a:t>27/02/2024</a:t>
+              <a:t>28/02/2024</a:t>
             </a:fld>
             <a:endParaRPr lang="es-ES"/>
           </a:p>
@@ -3191,7 +3192,7 @@
           <a:p>
             <a:fld id="{78A21EA7-D091-4EC2-913C-937FB2C50F01}" type="datetimeFigureOut">
               <a:rPr lang="es-ES" smtClean="0"/>
-              <a:t>27/02/2024</a:t>
+              <a:t>28/02/2024</a:t>
             </a:fld>
             <a:endParaRPr lang="es-ES"/>
           </a:p>
@@ -3828,6 +3829,1683 @@
 </p:sld>
 </file>
 
+<file path=ppt/slides/slide4.xml><?xml version="1.0" encoding="utf-8"?>
+<p:sld xmlns:a="http://schemas.openxmlformats.org/drawingml/2006/main" xmlns:r="http://schemas.openxmlformats.org/officeDocument/2006/relationships" xmlns:p="http://schemas.openxmlformats.org/presentationml/2006/main">
+  <p:cSld>
+    <p:spTree>
+      <p:nvGrpSpPr>
+        <p:cNvPr id="1" name=""/>
+        <p:cNvGrpSpPr/>
+        <p:nvPr/>
+      </p:nvGrpSpPr>
+      <p:grpSpPr>
+        <a:xfrm>
+          <a:off x="0" y="0"/>
+          <a:ext cx="0" cy="0"/>
+          <a:chOff x="0" y="0"/>
+          <a:chExt cx="0" cy="0"/>
+        </a:xfrm>
+      </p:grpSpPr>
+      <p:pic>
+        <p:nvPicPr>
+          <p:cNvPr id="1026" name="Picture 2" descr="city">
+            <a:extLst>
+              <a:ext uri="{FF2B5EF4-FFF2-40B4-BE49-F238E27FC236}">
+                <a16:creationId xmlns:a16="http://schemas.microsoft.com/office/drawing/2014/main" id="{477E2F4A-58BF-D097-B98B-D861A9361F63}"/>
+              </a:ext>
+            </a:extLst>
+          </p:cNvPr>
+          <p:cNvPicPr>
+            <a:picLocks noChangeAspect="1" noChangeArrowheads="1"/>
+          </p:cNvPicPr>
+          <p:nvPr/>
+        </p:nvPicPr>
+        <p:blipFill rotWithShape="1">
+          <a:blip r:embed="rId2">
+            <a:extLst>
+              <a:ext uri="{28A0092B-C50C-407E-A947-70E740481C1C}">
+                <a14:useLocalDpi xmlns:a14="http://schemas.microsoft.com/office/drawing/2010/main" val="0"/>
+              </a:ext>
+            </a:extLst>
+          </a:blip>
+          <a:srcRect b="53900"/>
+          <a:stretch/>
+        </p:blipFill>
+        <p:spPr bwMode="auto">
+          <a:xfrm>
+            <a:off x="0" y="974164"/>
+            <a:ext cx="2495550" cy="3161554"/>
+          </a:xfrm>
+          <a:prstGeom prst="rect">
+            <a:avLst/>
+          </a:prstGeom>
+          <a:noFill/>
+          <a:extLst>
+            <a:ext uri="{909E8E84-426E-40DD-AFC4-6F175D3DCCD1}">
+              <a14:hiddenFill xmlns:a14="http://schemas.microsoft.com/office/drawing/2010/main">
+                <a:solidFill>
+                  <a:srgbClr val="FFFFFF"/>
+                </a:solidFill>
+              </a14:hiddenFill>
+            </a:ext>
+          </a:extLst>
+        </p:spPr>
+      </p:pic>
+      <p:pic>
+        <p:nvPicPr>
+          <p:cNvPr id="2" name="Picture 2">
+            <a:extLst>
+              <a:ext uri="{FF2B5EF4-FFF2-40B4-BE49-F238E27FC236}">
+                <a16:creationId xmlns:a16="http://schemas.microsoft.com/office/drawing/2014/main" id="{657558DF-6F45-5092-C62D-F579FD827EA1}"/>
+              </a:ext>
+              <a:ext uri="{C183D7F6-B498-43B3-948B-1728B52AA6E4}">
+                <adec:decorative xmlns:adec="http://schemas.microsoft.com/office/drawing/2017/decorative" val="1"/>
+              </a:ext>
+            </a:extLst>
+          </p:cNvPr>
+          <p:cNvPicPr>
+            <a:picLocks noChangeAspect="1" noChangeArrowheads="1"/>
+          </p:cNvPicPr>
+          <p:nvPr/>
+        </p:nvPicPr>
+        <p:blipFill rotWithShape="1">
+          <a:blip r:embed="rId2">
+            <a:extLst>
+              <a:ext uri="{28A0092B-C50C-407E-A947-70E740481C1C}">
+                <a14:useLocalDpi xmlns:a14="http://schemas.microsoft.com/office/drawing/2010/main" val="0"/>
+              </a:ext>
+            </a:extLst>
+          </a:blip>
+          <a:srcRect t="45926" b="14161"/>
+          <a:stretch/>
+        </p:blipFill>
+        <p:spPr bwMode="auto">
+          <a:xfrm>
+            <a:off x="4445038" y="258741"/>
+            <a:ext cx="5780703" cy="6340517"/>
+          </a:xfrm>
+          <a:prstGeom prst="rect">
+            <a:avLst/>
+          </a:prstGeom>
+          <a:noFill/>
+          <a:extLst>
+            <a:ext uri="{909E8E84-426E-40DD-AFC4-6F175D3DCCD1}">
+              <a14:hiddenFill xmlns:a14="http://schemas.microsoft.com/office/drawing/2010/main">
+                <a:solidFill>
+                  <a:srgbClr val="FFFFFF"/>
+                </a:solidFill>
+              </a14:hiddenFill>
+            </a:ext>
+          </a:extLst>
+        </p:spPr>
+      </p:pic>
+      <p:grpSp>
+        <p:nvGrpSpPr>
+          <p:cNvPr id="19" name="Grupo 18">
+            <a:extLst>
+              <a:ext uri="{FF2B5EF4-FFF2-40B4-BE49-F238E27FC236}">
+                <a16:creationId xmlns:a16="http://schemas.microsoft.com/office/drawing/2014/main" id="{43743115-DBB2-2C0E-5FE3-EAC45C8AE512}"/>
+              </a:ext>
+            </a:extLst>
+          </p:cNvPr>
+          <p:cNvGrpSpPr/>
+          <p:nvPr/>
+        </p:nvGrpSpPr>
+        <p:grpSpPr>
+          <a:xfrm>
+            <a:off x="5322569" y="1173116"/>
+            <a:ext cx="3794761" cy="161365"/>
+            <a:chOff x="-3030069" y="1422400"/>
+            <a:chExt cx="20833974" cy="161365"/>
+          </a:xfrm>
+        </p:grpSpPr>
+        <p:sp>
+          <p:nvSpPr>
+            <p:cNvPr id="3" name="Rectángulo 2">
+              <a:extLst>
+                <a:ext uri="{FF2B5EF4-FFF2-40B4-BE49-F238E27FC236}">
+                  <a16:creationId xmlns:a16="http://schemas.microsoft.com/office/drawing/2014/main" id="{D6B3E7FF-B7E3-3437-BBC5-6578D39F722A}"/>
+                </a:ext>
+              </a:extLst>
+            </p:cNvPr>
+            <p:cNvSpPr/>
+            <p:nvPr/>
+          </p:nvSpPr>
+          <p:spPr>
+            <a:xfrm>
+              <a:off x="11851341" y="1422400"/>
+              <a:ext cx="1488141" cy="161365"/>
+            </a:xfrm>
+            <a:prstGeom prst="rect">
+              <a:avLst/>
+            </a:prstGeom>
+            <a:solidFill>
+              <a:schemeClr val="tx1"/>
+            </a:solidFill>
+            <a:ln>
+              <a:solidFill>
+                <a:schemeClr val="tx1"/>
+              </a:solidFill>
+            </a:ln>
+          </p:spPr>
+          <p:style>
+            <a:lnRef idx="2">
+              <a:schemeClr val="accent1">
+                <a:shade val="15000"/>
+              </a:schemeClr>
+            </a:lnRef>
+            <a:fillRef idx="1">
+              <a:schemeClr val="accent1"/>
+            </a:fillRef>
+            <a:effectRef idx="0">
+              <a:schemeClr val="accent1"/>
+            </a:effectRef>
+            <a:fontRef idx="minor">
+              <a:schemeClr val="lt1"/>
+            </a:fontRef>
+          </p:style>
+          <p:txBody>
+            <a:bodyPr rtlCol="0" anchor="ctr"/>
+            <a:lstStyle/>
+            <a:p>
+              <a:pPr algn="ctr"/>
+              <a:endParaRPr lang="es-ES"/>
+            </a:p>
+          </p:txBody>
+        </p:sp>
+        <p:sp>
+          <p:nvSpPr>
+            <p:cNvPr id="4" name="Rectángulo 3">
+              <a:extLst>
+                <a:ext uri="{FF2B5EF4-FFF2-40B4-BE49-F238E27FC236}">
+                  <a16:creationId xmlns:a16="http://schemas.microsoft.com/office/drawing/2014/main" id="{9881C8C0-10C3-3B37-D7DA-CAAE271B92E6}"/>
+                </a:ext>
+              </a:extLst>
+            </p:cNvPr>
+            <p:cNvSpPr/>
+            <p:nvPr/>
+          </p:nvSpPr>
+          <p:spPr>
+            <a:xfrm>
+              <a:off x="13339482" y="1422400"/>
+              <a:ext cx="1488141" cy="161365"/>
+            </a:xfrm>
+            <a:prstGeom prst="rect">
+              <a:avLst/>
+            </a:prstGeom>
+            <a:solidFill>
+              <a:schemeClr val="bg1"/>
+            </a:solidFill>
+            <a:ln>
+              <a:solidFill>
+                <a:schemeClr val="tx1"/>
+              </a:solidFill>
+            </a:ln>
+          </p:spPr>
+          <p:style>
+            <a:lnRef idx="2">
+              <a:schemeClr val="accent1">
+                <a:shade val="15000"/>
+              </a:schemeClr>
+            </a:lnRef>
+            <a:fillRef idx="1">
+              <a:schemeClr val="accent1"/>
+            </a:fillRef>
+            <a:effectRef idx="0">
+              <a:schemeClr val="accent1"/>
+            </a:effectRef>
+            <a:fontRef idx="minor">
+              <a:schemeClr val="lt1"/>
+            </a:fontRef>
+          </p:style>
+          <p:txBody>
+            <a:bodyPr rtlCol="0" anchor="ctr"/>
+            <a:lstStyle/>
+            <a:p>
+              <a:pPr algn="ctr"/>
+              <a:endParaRPr lang="es-ES"/>
+            </a:p>
+          </p:txBody>
+        </p:sp>
+        <p:sp>
+          <p:nvSpPr>
+            <p:cNvPr id="5" name="Rectángulo 4">
+              <a:extLst>
+                <a:ext uri="{FF2B5EF4-FFF2-40B4-BE49-F238E27FC236}">
+                  <a16:creationId xmlns:a16="http://schemas.microsoft.com/office/drawing/2014/main" id="{82131C0C-575F-EB33-2AAD-CF9D39111185}"/>
+                </a:ext>
+              </a:extLst>
+            </p:cNvPr>
+            <p:cNvSpPr/>
+            <p:nvPr/>
+          </p:nvSpPr>
+          <p:spPr>
+            <a:xfrm>
+              <a:off x="14827623" y="1422400"/>
+              <a:ext cx="1488141" cy="161365"/>
+            </a:xfrm>
+            <a:prstGeom prst="rect">
+              <a:avLst/>
+            </a:prstGeom>
+            <a:solidFill>
+              <a:schemeClr val="tx1"/>
+            </a:solidFill>
+            <a:ln>
+              <a:solidFill>
+                <a:schemeClr val="tx1"/>
+              </a:solidFill>
+            </a:ln>
+          </p:spPr>
+          <p:style>
+            <a:lnRef idx="2">
+              <a:schemeClr val="accent1">
+                <a:shade val="15000"/>
+              </a:schemeClr>
+            </a:lnRef>
+            <a:fillRef idx="1">
+              <a:schemeClr val="accent1"/>
+            </a:fillRef>
+            <a:effectRef idx="0">
+              <a:schemeClr val="accent1"/>
+            </a:effectRef>
+            <a:fontRef idx="minor">
+              <a:schemeClr val="lt1"/>
+            </a:fontRef>
+          </p:style>
+          <p:txBody>
+            <a:bodyPr rtlCol="0" anchor="ctr"/>
+            <a:lstStyle/>
+            <a:p>
+              <a:pPr algn="ctr"/>
+              <a:endParaRPr lang="es-ES"/>
+            </a:p>
+          </p:txBody>
+        </p:sp>
+        <p:sp>
+          <p:nvSpPr>
+            <p:cNvPr id="6" name="Rectángulo 5">
+              <a:extLst>
+                <a:ext uri="{FF2B5EF4-FFF2-40B4-BE49-F238E27FC236}">
+                  <a16:creationId xmlns:a16="http://schemas.microsoft.com/office/drawing/2014/main" id="{CDDB0BC3-7F70-6E0F-F0A7-4F4D8F3C46A4}"/>
+                </a:ext>
+              </a:extLst>
+            </p:cNvPr>
+            <p:cNvSpPr/>
+            <p:nvPr/>
+          </p:nvSpPr>
+          <p:spPr>
+            <a:xfrm>
+              <a:off x="16315764" y="1422400"/>
+              <a:ext cx="1488141" cy="161365"/>
+            </a:xfrm>
+            <a:prstGeom prst="rect">
+              <a:avLst/>
+            </a:prstGeom>
+            <a:solidFill>
+              <a:schemeClr val="bg1"/>
+            </a:solidFill>
+            <a:ln>
+              <a:solidFill>
+                <a:schemeClr val="tx1"/>
+              </a:solidFill>
+            </a:ln>
+          </p:spPr>
+          <p:style>
+            <a:lnRef idx="2">
+              <a:schemeClr val="accent1">
+                <a:shade val="15000"/>
+              </a:schemeClr>
+            </a:lnRef>
+            <a:fillRef idx="1">
+              <a:schemeClr val="accent1"/>
+            </a:fillRef>
+            <a:effectRef idx="0">
+              <a:schemeClr val="accent1"/>
+            </a:effectRef>
+            <a:fontRef idx="minor">
+              <a:schemeClr val="lt1"/>
+            </a:fontRef>
+          </p:style>
+          <p:txBody>
+            <a:bodyPr rtlCol="0" anchor="ctr"/>
+            <a:lstStyle/>
+            <a:p>
+              <a:pPr algn="ctr"/>
+              <a:endParaRPr lang="es-ES"/>
+            </a:p>
+          </p:txBody>
+        </p:sp>
+        <p:sp>
+          <p:nvSpPr>
+            <p:cNvPr id="7" name="Rectángulo 6">
+              <a:extLst>
+                <a:ext uri="{FF2B5EF4-FFF2-40B4-BE49-F238E27FC236}">
+                  <a16:creationId xmlns:a16="http://schemas.microsoft.com/office/drawing/2014/main" id="{77B58E3D-6F09-01AD-D71A-F1727EABE5C5}"/>
+                </a:ext>
+              </a:extLst>
+            </p:cNvPr>
+            <p:cNvSpPr/>
+            <p:nvPr/>
+          </p:nvSpPr>
+          <p:spPr>
+            <a:xfrm>
+              <a:off x="5898777" y="1422400"/>
+              <a:ext cx="1488141" cy="161365"/>
+            </a:xfrm>
+            <a:prstGeom prst="rect">
+              <a:avLst/>
+            </a:prstGeom>
+            <a:solidFill>
+              <a:schemeClr val="tx1"/>
+            </a:solidFill>
+            <a:ln>
+              <a:solidFill>
+                <a:schemeClr val="tx1"/>
+              </a:solidFill>
+            </a:ln>
+          </p:spPr>
+          <p:style>
+            <a:lnRef idx="2">
+              <a:schemeClr val="accent1">
+                <a:shade val="15000"/>
+              </a:schemeClr>
+            </a:lnRef>
+            <a:fillRef idx="1">
+              <a:schemeClr val="accent1"/>
+            </a:fillRef>
+            <a:effectRef idx="0">
+              <a:schemeClr val="accent1"/>
+            </a:effectRef>
+            <a:fontRef idx="minor">
+              <a:schemeClr val="lt1"/>
+            </a:fontRef>
+          </p:style>
+          <p:txBody>
+            <a:bodyPr rtlCol="0" anchor="ctr"/>
+            <a:lstStyle/>
+            <a:p>
+              <a:pPr algn="ctr"/>
+              <a:endParaRPr lang="es-ES"/>
+            </a:p>
+          </p:txBody>
+        </p:sp>
+        <p:sp>
+          <p:nvSpPr>
+            <p:cNvPr id="8" name="Rectángulo 7">
+              <a:extLst>
+                <a:ext uri="{FF2B5EF4-FFF2-40B4-BE49-F238E27FC236}">
+                  <a16:creationId xmlns:a16="http://schemas.microsoft.com/office/drawing/2014/main" id="{16F4FB82-AEF4-9212-A029-341F14846D2B}"/>
+                </a:ext>
+              </a:extLst>
+            </p:cNvPr>
+            <p:cNvSpPr/>
+            <p:nvPr/>
+          </p:nvSpPr>
+          <p:spPr>
+            <a:xfrm>
+              <a:off x="7386918" y="1422400"/>
+              <a:ext cx="1488141" cy="161365"/>
+            </a:xfrm>
+            <a:prstGeom prst="rect">
+              <a:avLst/>
+            </a:prstGeom>
+            <a:solidFill>
+              <a:schemeClr val="bg1"/>
+            </a:solidFill>
+            <a:ln>
+              <a:solidFill>
+                <a:schemeClr val="tx1"/>
+              </a:solidFill>
+            </a:ln>
+          </p:spPr>
+          <p:style>
+            <a:lnRef idx="2">
+              <a:schemeClr val="accent1">
+                <a:shade val="15000"/>
+              </a:schemeClr>
+            </a:lnRef>
+            <a:fillRef idx="1">
+              <a:schemeClr val="accent1"/>
+            </a:fillRef>
+            <a:effectRef idx="0">
+              <a:schemeClr val="accent1"/>
+            </a:effectRef>
+            <a:fontRef idx="minor">
+              <a:schemeClr val="lt1"/>
+            </a:fontRef>
+          </p:style>
+          <p:txBody>
+            <a:bodyPr rtlCol="0" anchor="ctr"/>
+            <a:lstStyle/>
+            <a:p>
+              <a:pPr algn="ctr"/>
+              <a:endParaRPr lang="es-ES"/>
+            </a:p>
+          </p:txBody>
+        </p:sp>
+        <p:sp>
+          <p:nvSpPr>
+            <p:cNvPr id="9" name="Rectángulo 8">
+              <a:extLst>
+                <a:ext uri="{FF2B5EF4-FFF2-40B4-BE49-F238E27FC236}">
+                  <a16:creationId xmlns:a16="http://schemas.microsoft.com/office/drawing/2014/main" id="{72A5C9D6-C884-58AD-11F8-B16AA8732FD6}"/>
+                </a:ext>
+              </a:extLst>
+            </p:cNvPr>
+            <p:cNvSpPr/>
+            <p:nvPr/>
+          </p:nvSpPr>
+          <p:spPr>
+            <a:xfrm>
+              <a:off x="8875059" y="1422400"/>
+              <a:ext cx="1488141" cy="161365"/>
+            </a:xfrm>
+            <a:prstGeom prst="rect">
+              <a:avLst/>
+            </a:prstGeom>
+            <a:solidFill>
+              <a:schemeClr val="tx1"/>
+            </a:solidFill>
+            <a:ln>
+              <a:solidFill>
+                <a:schemeClr val="tx1"/>
+              </a:solidFill>
+            </a:ln>
+          </p:spPr>
+          <p:style>
+            <a:lnRef idx="2">
+              <a:schemeClr val="accent1">
+                <a:shade val="15000"/>
+              </a:schemeClr>
+            </a:lnRef>
+            <a:fillRef idx="1">
+              <a:schemeClr val="accent1"/>
+            </a:fillRef>
+            <a:effectRef idx="0">
+              <a:schemeClr val="accent1"/>
+            </a:effectRef>
+            <a:fontRef idx="minor">
+              <a:schemeClr val="lt1"/>
+            </a:fontRef>
+          </p:style>
+          <p:txBody>
+            <a:bodyPr rtlCol="0" anchor="ctr"/>
+            <a:lstStyle/>
+            <a:p>
+              <a:pPr algn="ctr"/>
+              <a:endParaRPr lang="es-ES"/>
+            </a:p>
+          </p:txBody>
+        </p:sp>
+        <p:sp>
+          <p:nvSpPr>
+            <p:cNvPr id="10" name="Rectángulo 9">
+              <a:extLst>
+                <a:ext uri="{FF2B5EF4-FFF2-40B4-BE49-F238E27FC236}">
+                  <a16:creationId xmlns:a16="http://schemas.microsoft.com/office/drawing/2014/main" id="{6F784D21-36BF-3228-8963-27B4A67871E2}"/>
+                </a:ext>
+              </a:extLst>
+            </p:cNvPr>
+            <p:cNvSpPr/>
+            <p:nvPr/>
+          </p:nvSpPr>
+          <p:spPr>
+            <a:xfrm>
+              <a:off x="10363200" y="1422400"/>
+              <a:ext cx="1488141" cy="161365"/>
+            </a:xfrm>
+            <a:prstGeom prst="rect">
+              <a:avLst/>
+            </a:prstGeom>
+            <a:solidFill>
+              <a:schemeClr val="bg1"/>
+            </a:solidFill>
+            <a:ln>
+              <a:solidFill>
+                <a:schemeClr val="tx1"/>
+              </a:solidFill>
+            </a:ln>
+          </p:spPr>
+          <p:style>
+            <a:lnRef idx="2">
+              <a:schemeClr val="accent1">
+                <a:shade val="15000"/>
+              </a:schemeClr>
+            </a:lnRef>
+            <a:fillRef idx="1">
+              <a:schemeClr val="accent1"/>
+            </a:fillRef>
+            <a:effectRef idx="0">
+              <a:schemeClr val="accent1"/>
+            </a:effectRef>
+            <a:fontRef idx="minor">
+              <a:schemeClr val="lt1"/>
+            </a:fontRef>
+          </p:style>
+          <p:txBody>
+            <a:bodyPr rtlCol="0" anchor="ctr"/>
+            <a:lstStyle/>
+            <a:p>
+              <a:pPr algn="ctr"/>
+              <a:endParaRPr lang="es-ES"/>
+            </a:p>
+          </p:txBody>
+        </p:sp>
+        <p:sp>
+          <p:nvSpPr>
+            <p:cNvPr id="11" name="Rectángulo 10">
+              <a:extLst>
+                <a:ext uri="{FF2B5EF4-FFF2-40B4-BE49-F238E27FC236}">
+                  <a16:creationId xmlns:a16="http://schemas.microsoft.com/office/drawing/2014/main" id="{6448E678-DA6A-A948-FC11-77AE70FB9C37}"/>
+                </a:ext>
+              </a:extLst>
+            </p:cNvPr>
+            <p:cNvSpPr/>
+            <p:nvPr/>
+          </p:nvSpPr>
+          <p:spPr>
+            <a:xfrm>
+              <a:off x="-53787" y="1422400"/>
+              <a:ext cx="1488141" cy="161365"/>
+            </a:xfrm>
+            <a:prstGeom prst="rect">
+              <a:avLst/>
+            </a:prstGeom>
+            <a:solidFill>
+              <a:schemeClr val="tx1"/>
+            </a:solidFill>
+            <a:ln>
+              <a:solidFill>
+                <a:schemeClr val="tx1"/>
+              </a:solidFill>
+            </a:ln>
+          </p:spPr>
+          <p:style>
+            <a:lnRef idx="2">
+              <a:schemeClr val="accent1">
+                <a:shade val="15000"/>
+              </a:schemeClr>
+            </a:lnRef>
+            <a:fillRef idx="1">
+              <a:schemeClr val="accent1"/>
+            </a:fillRef>
+            <a:effectRef idx="0">
+              <a:schemeClr val="accent1"/>
+            </a:effectRef>
+            <a:fontRef idx="minor">
+              <a:schemeClr val="lt1"/>
+            </a:fontRef>
+          </p:style>
+          <p:txBody>
+            <a:bodyPr rtlCol="0" anchor="ctr"/>
+            <a:lstStyle/>
+            <a:p>
+              <a:pPr algn="ctr"/>
+              <a:endParaRPr lang="es-ES"/>
+            </a:p>
+          </p:txBody>
+        </p:sp>
+        <p:sp>
+          <p:nvSpPr>
+            <p:cNvPr id="12" name="Rectángulo 11">
+              <a:extLst>
+                <a:ext uri="{FF2B5EF4-FFF2-40B4-BE49-F238E27FC236}">
+                  <a16:creationId xmlns:a16="http://schemas.microsoft.com/office/drawing/2014/main" id="{43EEF413-5C68-02B0-1CC1-08203C4E1C2D}"/>
+                </a:ext>
+              </a:extLst>
+            </p:cNvPr>
+            <p:cNvSpPr/>
+            <p:nvPr/>
+          </p:nvSpPr>
+          <p:spPr>
+            <a:xfrm>
+              <a:off x="1434354" y="1422400"/>
+              <a:ext cx="1488141" cy="161365"/>
+            </a:xfrm>
+            <a:prstGeom prst="rect">
+              <a:avLst/>
+            </a:prstGeom>
+            <a:solidFill>
+              <a:schemeClr val="bg1"/>
+            </a:solidFill>
+            <a:ln>
+              <a:solidFill>
+                <a:schemeClr val="tx1"/>
+              </a:solidFill>
+            </a:ln>
+          </p:spPr>
+          <p:style>
+            <a:lnRef idx="2">
+              <a:schemeClr val="accent1">
+                <a:shade val="15000"/>
+              </a:schemeClr>
+            </a:lnRef>
+            <a:fillRef idx="1">
+              <a:schemeClr val="accent1"/>
+            </a:fillRef>
+            <a:effectRef idx="0">
+              <a:schemeClr val="accent1"/>
+            </a:effectRef>
+            <a:fontRef idx="minor">
+              <a:schemeClr val="lt1"/>
+            </a:fontRef>
+          </p:style>
+          <p:txBody>
+            <a:bodyPr rtlCol="0" anchor="ctr"/>
+            <a:lstStyle/>
+            <a:p>
+              <a:pPr algn="ctr"/>
+              <a:endParaRPr lang="es-ES"/>
+            </a:p>
+          </p:txBody>
+        </p:sp>
+        <p:sp>
+          <p:nvSpPr>
+            <p:cNvPr id="13" name="Rectángulo 12">
+              <a:extLst>
+                <a:ext uri="{FF2B5EF4-FFF2-40B4-BE49-F238E27FC236}">
+                  <a16:creationId xmlns:a16="http://schemas.microsoft.com/office/drawing/2014/main" id="{0C8D791A-21B7-2275-C544-4A77F910DDDB}"/>
+                </a:ext>
+              </a:extLst>
+            </p:cNvPr>
+            <p:cNvSpPr/>
+            <p:nvPr/>
+          </p:nvSpPr>
+          <p:spPr>
+            <a:xfrm>
+              <a:off x="2922495" y="1422400"/>
+              <a:ext cx="1488141" cy="161365"/>
+            </a:xfrm>
+            <a:prstGeom prst="rect">
+              <a:avLst/>
+            </a:prstGeom>
+            <a:solidFill>
+              <a:schemeClr val="tx1"/>
+            </a:solidFill>
+            <a:ln>
+              <a:solidFill>
+                <a:schemeClr val="tx1"/>
+              </a:solidFill>
+            </a:ln>
+          </p:spPr>
+          <p:style>
+            <a:lnRef idx="2">
+              <a:schemeClr val="accent1">
+                <a:shade val="15000"/>
+              </a:schemeClr>
+            </a:lnRef>
+            <a:fillRef idx="1">
+              <a:schemeClr val="accent1"/>
+            </a:fillRef>
+            <a:effectRef idx="0">
+              <a:schemeClr val="accent1"/>
+            </a:effectRef>
+            <a:fontRef idx="minor">
+              <a:schemeClr val="lt1"/>
+            </a:fontRef>
+          </p:style>
+          <p:txBody>
+            <a:bodyPr rtlCol="0" anchor="ctr"/>
+            <a:lstStyle/>
+            <a:p>
+              <a:pPr algn="ctr"/>
+              <a:endParaRPr lang="es-ES"/>
+            </a:p>
+          </p:txBody>
+        </p:sp>
+        <p:sp>
+          <p:nvSpPr>
+            <p:cNvPr id="14" name="Rectángulo 13">
+              <a:extLst>
+                <a:ext uri="{FF2B5EF4-FFF2-40B4-BE49-F238E27FC236}">
+                  <a16:creationId xmlns:a16="http://schemas.microsoft.com/office/drawing/2014/main" id="{F6266D35-DB61-7319-AD85-CE9334F652F5}"/>
+                </a:ext>
+              </a:extLst>
+            </p:cNvPr>
+            <p:cNvSpPr/>
+            <p:nvPr/>
+          </p:nvSpPr>
+          <p:spPr>
+            <a:xfrm>
+              <a:off x="4410636" y="1422400"/>
+              <a:ext cx="1488141" cy="161365"/>
+            </a:xfrm>
+            <a:prstGeom prst="rect">
+              <a:avLst/>
+            </a:prstGeom>
+            <a:solidFill>
+              <a:schemeClr val="bg1"/>
+            </a:solidFill>
+            <a:ln>
+              <a:solidFill>
+                <a:schemeClr val="tx1"/>
+              </a:solidFill>
+            </a:ln>
+          </p:spPr>
+          <p:style>
+            <a:lnRef idx="2">
+              <a:schemeClr val="accent1">
+                <a:shade val="15000"/>
+              </a:schemeClr>
+            </a:lnRef>
+            <a:fillRef idx="1">
+              <a:schemeClr val="accent1"/>
+            </a:fillRef>
+            <a:effectRef idx="0">
+              <a:schemeClr val="accent1"/>
+            </a:effectRef>
+            <a:fontRef idx="minor">
+              <a:schemeClr val="lt1"/>
+            </a:fontRef>
+          </p:style>
+          <p:txBody>
+            <a:bodyPr rtlCol="0" anchor="ctr"/>
+            <a:lstStyle/>
+            <a:p>
+              <a:pPr algn="ctr"/>
+              <a:endParaRPr lang="es-ES"/>
+            </a:p>
+          </p:txBody>
+        </p:sp>
+        <p:sp>
+          <p:nvSpPr>
+            <p:cNvPr id="17" name="Rectángulo 16">
+              <a:extLst>
+                <a:ext uri="{FF2B5EF4-FFF2-40B4-BE49-F238E27FC236}">
+                  <a16:creationId xmlns:a16="http://schemas.microsoft.com/office/drawing/2014/main" id="{1DBC1B4A-041C-BE22-2677-2D8C9EAE9197}"/>
+                </a:ext>
+              </a:extLst>
+            </p:cNvPr>
+            <p:cNvSpPr/>
+            <p:nvPr/>
+          </p:nvSpPr>
+          <p:spPr>
+            <a:xfrm>
+              <a:off x="-3030069" y="1422400"/>
+              <a:ext cx="1488141" cy="161365"/>
+            </a:xfrm>
+            <a:prstGeom prst="rect">
+              <a:avLst/>
+            </a:prstGeom>
+            <a:solidFill>
+              <a:schemeClr val="tx1"/>
+            </a:solidFill>
+            <a:ln>
+              <a:solidFill>
+                <a:schemeClr val="tx1"/>
+              </a:solidFill>
+            </a:ln>
+          </p:spPr>
+          <p:style>
+            <a:lnRef idx="2">
+              <a:schemeClr val="accent1">
+                <a:shade val="15000"/>
+              </a:schemeClr>
+            </a:lnRef>
+            <a:fillRef idx="1">
+              <a:schemeClr val="accent1"/>
+            </a:fillRef>
+            <a:effectRef idx="0">
+              <a:schemeClr val="accent1"/>
+            </a:effectRef>
+            <a:fontRef idx="minor">
+              <a:schemeClr val="lt1"/>
+            </a:fontRef>
+          </p:style>
+          <p:txBody>
+            <a:bodyPr rtlCol="0" anchor="ctr"/>
+            <a:lstStyle/>
+            <a:p>
+              <a:pPr algn="ctr"/>
+              <a:endParaRPr lang="es-ES"/>
+            </a:p>
+          </p:txBody>
+        </p:sp>
+        <p:sp>
+          <p:nvSpPr>
+            <p:cNvPr id="18" name="Rectángulo 17">
+              <a:extLst>
+                <a:ext uri="{FF2B5EF4-FFF2-40B4-BE49-F238E27FC236}">
+                  <a16:creationId xmlns:a16="http://schemas.microsoft.com/office/drawing/2014/main" id="{6031B5BE-C567-92FB-369D-B331D5E6AE9C}"/>
+                </a:ext>
+              </a:extLst>
+            </p:cNvPr>
+            <p:cNvSpPr/>
+            <p:nvPr/>
+          </p:nvSpPr>
+          <p:spPr>
+            <a:xfrm>
+              <a:off x="-1541928" y="1422400"/>
+              <a:ext cx="1488141" cy="161365"/>
+            </a:xfrm>
+            <a:prstGeom prst="rect">
+              <a:avLst/>
+            </a:prstGeom>
+            <a:solidFill>
+              <a:schemeClr val="bg1"/>
+            </a:solidFill>
+            <a:ln>
+              <a:solidFill>
+                <a:schemeClr val="tx1"/>
+              </a:solidFill>
+            </a:ln>
+          </p:spPr>
+          <p:style>
+            <a:lnRef idx="2">
+              <a:schemeClr val="accent1">
+                <a:shade val="15000"/>
+              </a:schemeClr>
+            </a:lnRef>
+            <a:fillRef idx="1">
+              <a:schemeClr val="accent1"/>
+            </a:fillRef>
+            <a:effectRef idx="0">
+              <a:schemeClr val="accent1"/>
+            </a:effectRef>
+            <a:fontRef idx="minor">
+              <a:schemeClr val="lt1"/>
+            </a:fontRef>
+          </p:style>
+          <p:txBody>
+            <a:bodyPr rtlCol="0" anchor="ctr"/>
+            <a:lstStyle/>
+            <a:p>
+              <a:pPr algn="ctr"/>
+              <a:endParaRPr lang="es-ES"/>
+            </a:p>
+          </p:txBody>
+        </p:sp>
+      </p:grpSp>
+      <p:grpSp>
+        <p:nvGrpSpPr>
+          <p:cNvPr id="20" name="Grupo 19">
+            <a:extLst>
+              <a:ext uri="{FF2B5EF4-FFF2-40B4-BE49-F238E27FC236}">
+                <a16:creationId xmlns:a16="http://schemas.microsoft.com/office/drawing/2014/main" id="{AF4C6AE0-E34B-9DB1-AAE5-43D80BCBA333}"/>
+              </a:ext>
+            </a:extLst>
+          </p:cNvPr>
+          <p:cNvGrpSpPr/>
+          <p:nvPr/>
+        </p:nvGrpSpPr>
+        <p:grpSpPr>
+          <a:xfrm rot="5400000">
+            <a:off x="8660673" y="4542790"/>
+            <a:ext cx="3794761" cy="161365"/>
+            <a:chOff x="-3030069" y="1422400"/>
+            <a:chExt cx="20833974" cy="161365"/>
+          </a:xfrm>
+        </p:grpSpPr>
+        <p:sp>
+          <p:nvSpPr>
+            <p:cNvPr id="21" name="Rectángulo 20">
+              <a:extLst>
+                <a:ext uri="{FF2B5EF4-FFF2-40B4-BE49-F238E27FC236}">
+                  <a16:creationId xmlns:a16="http://schemas.microsoft.com/office/drawing/2014/main" id="{A216B372-7BBB-D966-933D-1892467938B4}"/>
+                </a:ext>
+              </a:extLst>
+            </p:cNvPr>
+            <p:cNvSpPr/>
+            <p:nvPr/>
+          </p:nvSpPr>
+          <p:spPr>
+            <a:xfrm>
+              <a:off x="11851341" y="1422400"/>
+              <a:ext cx="1488141" cy="161365"/>
+            </a:xfrm>
+            <a:prstGeom prst="rect">
+              <a:avLst/>
+            </a:prstGeom>
+            <a:solidFill>
+              <a:schemeClr val="tx1"/>
+            </a:solidFill>
+            <a:ln>
+              <a:solidFill>
+                <a:schemeClr val="tx1"/>
+              </a:solidFill>
+            </a:ln>
+          </p:spPr>
+          <p:style>
+            <a:lnRef idx="2">
+              <a:schemeClr val="accent1">
+                <a:shade val="15000"/>
+              </a:schemeClr>
+            </a:lnRef>
+            <a:fillRef idx="1">
+              <a:schemeClr val="accent1"/>
+            </a:fillRef>
+            <a:effectRef idx="0">
+              <a:schemeClr val="accent1"/>
+            </a:effectRef>
+            <a:fontRef idx="minor">
+              <a:schemeClr val="lt1"/>
+            </a:fontRef>
+          </p:style>
+          <p:txBody>
+            <a:bodyPr rtlCol="0" anchor="ctr"/>
+            <a:lstStyle/>
+            <a:p>
+              <a:pPr algn="ctr"/>
+              <a:endParaRPr lang="es-ES"/>
+            </a:p>
+          </p:txBody>
+        </p:sp>
+        <p:sp>
+          <p:nvSpPr>
+            <p:cNvPr id="22" name="Rectángulo 21">
+              <a:extLst>
+                <a:ext uri="{FF2B5EF4-FFF2-40B4-BE49-F238E27FC236}">
+                  <a16:creationId xmlns:a16="http://schemas.microsoft.com/office/drawing/2014/main" id="{19AA5386-6F94-3789-D1D3-EE79EE8921C0}"/>
+                </a:ext>
+              </a:extLst>
+            </p:cNvPr>
+            <p:cNvSpPr/>
+            <p:nvPr/>
+          </p:nvSpPr>
+          <p:spPr>
+            <a:xfrm>
+              <a:off x="13339482" y="1422400"/>
+              <a:ext cx="1488141" cy="161365"/>
+            </a:xfrm>
+            <a:prstGeom prst="rect">
+              <a:avLst/>
+            </a:prstGeom>
+            <a:solidFill>
+              <a:schemeClr val="bg1"/>
+            </a:solidFill>
+            <a:ln>
+              <a:solidFill>
+                <a:schemeClr val="tx1"/>
+              </a:solidFill>
+            </a:ln>
+          </p:spPr>
+          <p:style>
+            <a:lnRef idx="2">
+              <a:schemeClr val="accent1">
+                <a:shade val="15000"/>
+              </a:schemeClr>
+            </a:lnRef>
+            <a:fillRef idx="1">
+              <a:schemeClr val="accent1"/>
+            </a:fillRef>
+            <a:effectRef idx="0">
+              <a:schemeClr val="accent1"/>
+            </a:effectRef>
+            <a:fontRef idx="minor">
+              <a:schemeClr val="lt1"/>
+            </a:fontRef>
+          </p:style>
+          <p:txBody>
+            <a:bodyPr rtlCol="0" anchor="ctr"/>
+            <a:lstStyle/>
+            <a:p>
+              <a:pPr algn="ctr"/>
+              <a:endParaRPr lang="es-ES"/>
+            </a:p>
+          </p:txBody>
+        </p:sp>
+        <p:sp>
+          <p:nvSpPr>
+            <p:cNvPr id="23" name="Rectángulo 22">
+              <a:extLst>
+                <a:ext uri="{FF2B5EF4-FFF2-40B4-BE49-F238E27FC236}">
+                  <a16:creationId xmlns:a16="http://schemas.microsoft.com/office/drawing/2014/main" id="{73E738ED-A8BC-2E43-ADBC-AEEEC8AAF426}"/>
+                </a:ext>
+              </a:extLst>
+            </p:cNvPr>
+            <p:cNvSpPr/>
+            <p:nvPr/>
+          </p:nvSpPr>
+          <p:spPr>
+            <a:xfrm>
+              <a:off x="14827623" y="1422400"/>
+              <a:ext cx="1488141" cy="161365"/>
+            </a:xfrm>
+            <a:prstGeom prst="rect">
+              <a:avLst/>
+            </a:prstGeom>
+            <a:solidFill>
+              <a:schemeClr val="tx1"/>
+            </a:solidFill>
+            <a:ln>
+              <a:solidFill>
+                <a:schemeClr val="tx1"/>
+              </a:solidFill>
+            </a:ln>
+          </p:spPr>
+          <p:style>
+            <a:lnRef idx="2">
+              <a:schemeClr val="accent1">
+                <a:shade val="15000"/>
+              </a:schemeClr>
+            </a:lnRef>
+            <a:fillRef idx="1">
+              <a:schemeClr val="accent1"/>
+            </a:fillRef>
+            <a:effectRef idx="0">
+              <a:schemeClr val="accent1"/>
+            </a:effectRef>
+            <a:fontRef idx="minor">
+              <a:schemeClr val="lt1"/>
+            </a:fontRef>
+          </p:style>
+          <p:txBody>
+            <a:bodyPr rtlCol="0" anchor="ctr"/>
+            <a:lstStyle/>
+            <a:p>
+              <a:pPr algn="ctr"/>
+              <a:endParaRPr lang="es-ES"/>
+            </a:p>
+          </p:txBody>
+        </p:sp>
+        <p:sp>
+          <p:nvSpPr>
+            <p:cNvPr id="24" name="Rectángulo 23">
+              <a:extLst>
+                <a:ext uri="{FF2B5EF4-FFF2-40B4-BE49-F238E27FC236}">
+                  <a16:creationId xmlns:a16="http://schemas.microsoft.com/office/drawing/2014/main" id="{F645FFB0-CB23-4933-E58B-E7C305F436D6}"/>
+                </a:ext>
+              </a:extLst>
+            </p:cNvPr>
+            <p:cNvSpPr/>
+            <p:nvPr/>
+          </p:nvSpPr>
+          <p:spPr>
+            <a:xfrm>
+              <a:off x="16315764" y="1422400"/>
+              <a:ext cx="1488141" cy="161365"/>
+            </a:xfrm>
+            <a:prstGeom prst="rect">
+              <a:avLst/>
+            </a:prstGeom>
+            <a:solidFill>
+              <a:schemeClr val="bg1"/>
+            </a:solidFill>
+            <a:ln>
+              <a:solidFill>
+                <a:schemeClr val="tx1"/>
+              </a:solidFill>
+            </a:ln>
+          </p:spPr>
+          <p:style>
+            <a:lnRef idx="2">
+              <a:schemeClr val="accent1">
+                <a:shade val="15000"/>
+              </a:schemeClr>
+            </a:lnRef>
+            <a:fillRef idx="1">
+              <a:schemeClr val="accent1"/>
+            </a:fillRef>
+            <a:effectRef idx="0">
+              <a:schemeClr val="accent1"/>
+            </a:effectRef>
+            <a:fontRef idx="minor">
+              <a:schemeClr val="lt1"/>
+            </a:fontRef>
+          </p:style>
+          <p:txBody>
+            <a:bodyPr rtlCol="0" anchor="ctr"/>
+            <a:lstStyle/>
+            <a:p>
+              <a:pPr algn="ctr"/>
+              <a:endParaRPr lang="es-ES"/>
+            </a:p>
+          </p:txBody>
+        </p:sp>
+        <p:sp>
+          <p:nvSpPr>
+            <p:cNvPr id="25" name="Rectángulo 24">
+              <a:extLst>
+                <a:ext uri="{FF2B5EF4-FFF2-40B4-BE49-F238E27FC236}">
+                  <a16:creationId xmlns:a16="http://schemas.microsoft.com/office/drawing/2014/main" id="{AEDFD914-CEFA-BCF7-17EA-CE472E302479}"/>
+                </a:ext>
+              </a:extLst>
+            </p:cNvPr>
+            <p:cNvSpPr/>
+            <p:nvPr/>
+          </p:nvSpPr>
+          <p:spPr>
+            <a:xfrm>
+              <a:off x="5898777" y="1422400"/>
+              <a:ext cx="1488141" cy="161365"/>
+            </a:xfrm>
+            <a:prstGeom prst="rect">
+              <a:avLst/>
+            </a:prstGeom>
+            <a:solidFill>
+              <a:schemeClr val="tx1"/>
+            </a:solidFill>
+            <a:ln>
+              <a:solidFill>
+                <a:schemeClr val="tx1"/>
+              </a:solidFill>
+            </a:ln>
+          </p:spPr>
+          <p:style>
+            <a:lnRef idx="2">
+              <a:schemeClr val="accent1">
+                <a:shade val="15000"/>
+              </a:schemeClr>
+            </a:lnRef>
+            <a:fillRef idx="1">
+              <a:schemeClr val="accent1"/>
+            </a:fillRef>
+            <a:effectRef idx="0">
+              <a:schemeClr val="accent1"/>
+            </a:effectRef>
+            <a:fontRef idx="minor">
+              <a:schemeClr val="lt1"/>
+            </a:fontRef>
+          </p:style>
+          <p:txBody>
+            <a:bodyPr rtlCol="0" anchor="ctr"/>
+            <a:lstStyle/>
+            <a:p>
+              <a:pPr algn="ctr"/>
+              <a:endParaRPr lang="es-ES"/>
+            </a:p>
+          </p:txBody>
+        </p:sp>
+        <p:sp>
+          <p:nvSpPr>
+            <p:cNvPr id="26" name="Rectángulo 25">
+              <a:extLst>
+                <a:ext uri="{FF2B5EF4-FFF2-40B4-BE49-F238E27FC236}">
+                  <a16:creationId xmlns:a16="http://schemas.microsoft.com/office/drawing/2014/main" id="{C49DF4A0-13AA-866C-A2F2-EF5245D749D4}"/>
+                </a:ext>
+              </a:extLst>
+            </p:cNvPr>
+            <p:cNvSpPr/>
+            <p:nvPr/>
+          </p:nvSpPr>
+          <p:spPr>
+            <a:xfrm>
+              <a:off x="7386918" y="1422400"/>
+              <a:ext cx="1488141" cy="161365"/>
+            </a:xfrm>
+            <a:prstGeom prst="rect">
+              <a:avLst/>
+            </a:prstGeom>
+            <a:solidFill>
+              <a:schemeClr val="bg1"/>
+            </a:solidFill>
+            <a:ln>
+              <a:solidFill>
+                <a:schemeClr val="tx1"/>
+              </a:solidFill>
+            </a:ln>
+          </p:spPr>
+          <p:style>
+            <a:lnRef idx="2">
+              <a:schemeClr val="accent1">
+                <a:shade val="15000"/>
+              </a:schemeClr>
+            </a:lnRef>
+            <a:fillRef idx="1">
+              <a:schemeClr val="accent1"/>
+            </a:fillRef>
+            <a:effectRef idx="0">
+              <a:schemeClr val="accent1"/>
+            </a:effectRef>
+            <a:fontRef idx="minor">
+              <a:schemeClr val="lt1"/>
+            </a:fontRef>
+          </p:style>
+          <p:txBody>
+            <a:bodyPr rtlCol="0" anchor="ctr"/>
+            <a:lstStyle/>
+            <a:p>
+              <a:pPr algn="ctr"/>
+              <a:endParaRPr lang="es-ES"/>
+            </a:p>
+          </p:txBody>
+        </p:sp>
+        <p:sp>
+          <p:nvSpPr>
+            <p:cNvPr id="27" name="Rectángulo 26">
+              <a:extLst>
+                <a:ext uri="{FF2B5EF4-FFF2-40B4-BE49-F238E27FC236}">
+                  <a16:creationId xmlns:a16="http://schemas.microsoft.com/office/drawing/2014/main" id="{F33E546C-F5D5-59C2-8CE5-090ACCAAE0C3}"/>
+                </a:ext>
+              </a:extLst>
+            </p:cNvPr>
+            <p:cNvSpPr/>
+            <p:nvPr/>
+          </p:nvSpPr>
+          <p:spPr>
+            <a:xfrm>
+              <a:off x="8875059" y="1422400"/>
+              <a:ext cx="1488141" cy="161365"/>
+            </a:xfrm>
+            <a:prstGeom prst="rect">
+              <a:avLst/>
+            </a:prstGeom>
+            <a:solidFill>
+              <a:schemeClr val="tx1"/>
+            </a:solidFill>
+            <a:ln>
+              <a:solidFill>
+                <a:schemeClr val="tx1"/>
+              </a:solidFill>
+            </a:ln>
+          </p:spPr>
+          <p:style>
+            <a:lnRef idx="2">
+              <a:schemeClr val="accent1">
+                <a:shade val="15000"/>
+              </a:schemeClr>
+            </a:lnRef>
+            <a:fillRef idx="1">
+              <a:schemeClr val="accent1"/>
+            </a:fillRef>
+            <a:effectRef idx="0">
+              <a:schemeClr val="accent1"/>
+            </a:effectRef>
+            <a:fontRef idx="minor">
+              <a:schemeClr val="lt1"/>
+            </a:fontRef>
+          </p:style>
+          <p:txBody>
+            <a:bodyPr rtlCol="0" anchor="ctr"/>
+            <a:lstStyle/>
+            <a:p>
+              <a:pPr algn="ctr"/>
+              <a:endParaRPr lang="es-ES"/>
+            </a:p>
+          </p:txBody>
+        </p:sp>
+        <p:sp>
+          <p:nvSpPr>
+            <p:cNvPr id="28" name="Rectángulo 27">
+              <a:extLst>
+                <a:ext uri="{FF2B5EF4-FFF2-40B4-BE49-F238E27FC236}">
+                  <a16:creationId xmlns:a16="http://schemas.microsoft.com/office/drawing/2014/main" id="{6AC0ED42-9A34-7179-CD76-E79AD3A3D892}"/>
+                </a:ext>
+              </a:extLst>
+            </p:cNvPr>
+            <p:cNvSpPr/>
+            <p:nvPr/>
+          </p:nvSpPr>
+          <p:spPr>
+            <a:xfrm>
+              <a:off x="10363200" y="1422400"/>
+              <a:ext cx="1488141" cy="161365"/>
+            </a:xfrm>
+            <a:prstGeom prst="rect">
+              <a:avLst/>
+            </a:prstGeom>
+            <a:solidFill>
+              <a:schemeClr val="bg1"/>
+            </a:solidFill>
+            <a:ln>
+              <a:solidFill>
+                <a:schemeClr val="tx1"/>
+              </a:solidFill>
+            </a:ln>
+          </p:spPr>
+          <p:style>
+            <a:lnRef idx="2">
+              <a:schemeClr val="accent1">
+                <a:shade val="15000"/>
+              </a:schemeClr>
+            </a:lnRef>
+            <a:fillRef idx="1">
+              <a:schemeClr val="accent1"/>
+            </a:fillRef>
+            <a:effectRef idx="0">
+              <a:schemeClr val="accent1"/>
+            </a:effectRef>
+            <a:fontRef idx="minor">
+              <a:schemeClr val="lt1"/>
+            </a:fontRef>
+          </p:style>
+          <p:txBody>
+            <a:bodyPr rtlCol="0" anchor="ctr"/>
+            <a:lstStyle/>
+            <a:p>
+              <a:pPr algn="ctr"/>
+              <a:endParaRPr lang="es-ES"/>
+            </a:p>
+          </p:txBody>
+        </p:sp>
+        <p:sp>
+          <p:nvSpPr>
+            <p:cNvPr id="29" name="Rectángulo 28">
+              <a:extLst>
+                <a:ext uri="{FF2B5EF4-FFF2-40B4-BE49-F238E27FC236}">
+                  <a16:creationId xmlns:a16="http://schemas.microsoft.com/office/drawing/2014/main" id="{EBEA777C-403C-3C05-F388-046793D127DE}"/>
+                </a:ext>
+              </a:extLst>
+            </p:cNvPr>
+            <p:cNvSpPr/>
+            <p:nvPr/>
+          </p:nvSpPr>
+          <p:spPr>
+            <a:xfrm>
+              <a:off x="-53787" y="1422400"/>
+              <a:ext cx="1488141" cy="161365"/>
+            </a:xfrm>
+            <a:prstGeom prst="rect">
+              <a:avLst/>
+            </a:prstGeom>
+            <a:solidFill>
+              <a:schemeClr val="tx1"/>
+            </a:solidFill>
+            <a:ln>
+              <a:solidFill>
+                <a:schemeClr val="tx1"/>
+              </a:solidFill>
+            </a:ln>
+          </p:spPr>
+          <p:style>
+            <a:lnRef idx="2">
+              <a:schemeClr val="accent1">
+                <a:shade val="15000"/>
+              </a:schemeClr>
+            </a:lnRef>
+            <a:fillRef idx="1">
+              <a:schemeClr val="accent1"/>
+            </a:fillRef>
+            <a:effectRef idx="0">
+              <a:schemeClr val="accent1"/>
+            </a:effectRef>
+            <a:fontRef idx="minor">
+              <a:schemeClr val="lt1"/>
+            </a:fontRef>
+          </p:style>
+          <p:txBody>
+            <a:bodyPr rtlCol="0" anchor="ctr"/>
+            <a:lstStyle/>
+            <a:p>
+              <a:pPr algn="ctr"/>
+              <a:endParaRPr lang="es-ES"/>
+            </a:p>
+          </p:txBody>
+        </p:sp>
+        <p:sp>
+          <p:nvSpPr>
+            <p:cNvPr id="30" name="Rectángulo 29">
+              <a:extLst>
+                <a:ext uri="{FF2B5EF4-FFF2-40B4-BE49-F238E27FC236}">
+                  <a16:creationId xmlns:a16="http://schemas.microsoft.com/office/drawing/2014/main" id="{C227C76C-6141-5EBC-49D5-710732C0B414}"/>
+                </a:ext>
+              </a:extLst>
+            </p:cNvPr>
+            <p:cNvSpPr/>
+            <p:nvPr/>
+          </p:nvSpPr>
+          <p:spPr>
+            <a:xfrm>
+              <a:off x="1434354" y="1422400"/>
+              <a:ext cx="1488141" cy="161365"/>
+            </a:xfrm>
+            <a:prstGeom prst="rect">
+              <a:avLst/>
+            </a:prstGeom>
+            <a:solidFill>
+              <a:schemeClr val="bg1"/>
+            </a:solidFill>
+            <a:ln>
+              <a:solidFill>
+                <a:schemeClr val="tx1"/>
+              </a:solidFill>
+            </a:ln>
+          </p:spPr>
+          <p:style>
+            <a:lnRef idx="2">
+              <a:schemeClr val="accent1">
+                <a:shade val="15000"/>
+              </a:schemeClr>
+            </a:lnRef>
+            <a:fillRef idx="1">
+              <a:schemeClr val="accent1"/>
+            </a:fillRef>
+            <a:effectRef idx="0">
+              <a:schemeClr val="accent1"/>
+            </a:effectRef>
+            <a:fontRef idx="minor">
+              <a:schemeClr val="lt1"/>
+            </a:fontRef>
+          </p:style>
+          <p:txBody>
+            <a:bodyPr rtlCol="0" anchor="ctr"/>
+            <a:lstStyle/>
+            <a:p>
+              <a:pPr algn="ctr"/>
+              <a:endParaRPr lang="es-ES"/>
+            </a:p>
+          </p:txBody>
+        </p:sp>
+        <p:sp>
+          <p:nvSpPr>
+            <p:cNvPr id="31" name="Rectángulo 30">
+              <a:extLst>
+                <a:ext uri="{FF2B5EF4-FFF2-40B4-BE49-F238E27FC236}">
+                  <a16:creationId xmlns:a16="http://schemas.microsoft.com/office/drawing/2014/main" id="{C3EBBE31-ED61-F63D-4955-9A9C89357C1C}"/>
+                </a:ext>
+              </a:extLst>
+            </p:cNvPr>
+            <p:cNvSpPr/>
+            <p:nvPr/>
+          </p:nvSpPr>
+          <p:spPr>
+            <a:xfrm>
+              <a:off x="2922495" y="1422400"/>
+              <a:ext cx="1488141" cy="161365"/>
+            </a:xfrm>
+            <a:prstGeom prst="rect">
+              <a:avLst/>
+            </a:prstGeom>
+            <a:solidFill>
+              <a:schemeClr val="tx1"/>
+            </a:solidFill>
+            <a:ln>
+              <a:solidFill>
+                <a:schemeClr val="tx1"/>
+              </a:solidFill>
+            </a:ln>
+          </p:spPr>
+          <p:style>
+            <a:lnRef idx="2">
+              <a:schemeClr val="accent1">
+                <a:shade val="15000"/>
+              </a:schemeClr>
+            </a:lnRef>
+            <a:fillRef idx="1">
+              <a:schemeClr val="accent1"/>
+            </a:fillRef>
+            <a:effectRef idx="0">
+              <a:schemeClr val="accent1"/>
+            </a:effectRef>
+            <a:fontRef idx="minor">
+              <a:schemeClr val="lt1"/>
+            </a:fontRef>
+          </p:style>
+          <p:txBody>
+            <a:bodyPr rtlCol="0" anchor="ctr"/>
+            <a:lstStyle/>
+            <a:p>
+              <a:pPr algn="ctr"/>
+              <a:endParaRPr lang="es-ES"/>
+            </a:p>
+          </p:txBody>
+        </p:sp>
+        <p:sp>
+          <p:nvSpPr>
+            <p:cNvPr id="1024" name="Rectángulo 1023">
+              <a:extLst>
+                <a:ext uri="{FF2B5EF4-FFF2-40B4-BE49-F238E27FC236}">
+                  <a16:creationId xmlns:a16="http://schemas.microsoft.com/office/drawing/2014/main" id="{73389D0B-76E8-B406-678A-2BD2DCF0E073}"/>
+                </a:ext>
+              </a:extLst>
+            </p:cNvPr>
+            <p:cNvSpPr/>
+            <p:nvPr/>
+          </p:nvSpPr>
+          <p:spPr>
+            <a:xfrm>
+              <a:off x="4410636" y="1422400"/>
+              <a:ext cx="1488141" cy="161365"/>
+            </a:xfrm>
+            <a:prstGeom prst="rect">
+              <a:avLst/>
+            </a:prstGeom>
+            <a:solidFill>
+              <a:schemeClr val="bg1"/>
+            </a:solidFill>
+            <a:ln>
+              <a:solidFill>
+                <a:schemeClr val="tx1"/>
+              </a:solidFill>
+            </a:ln>
+          </p:spPr>
+          <p:style>
+            <a:lnRef idx="2">
+              <a:schemeClr val="accent1">
+                <a:shade val="15000"/>
+              </a:schemeClr>
+            </a:lnRef>
+            <a:fillRef idx="1">
+              <a:schemeClr val="accent1"/>
+            </a:fillRef>
+            <a:effectRef idx="0">
+              <a:schemeClr val="accent1"/>
+            </a:effectRef>
+            <a:fontRef idx="minor">
+              <a:schemeClr val="lt1"/>
+            </a:fontRef>
+          </p:style>
+          <p:txBody>
+            <a:bodyPr rtlCol="0" anchor="ctr"/>
+            <a:lstStyle/>
+            <a:p>
+              <a:pPr algn="ctr"/>
+              <a:endParaRPr lang="es-ES"/>
+            </a:p>
+          </p:txBody>
+        </p:sp>
+        <p:sp>
+          <p:nvSpPr>
+            <p:cNvPr id="1025" name="Rectángulo 1024">
+              <a:extLst>
+                <a:ext uri="{FF2B5EF4-FFF2-40B4-BE49-F238E27FC236}">
+                  <a16:creationId xmlns:a16="http://schemas.microsoft.com/office/drawing/2014/main" id="{A64EEA01-5928-1908-0239-910106F58529}"/>
+                </a:ext>
+              </a:extLst>
+            </p:cNvPr>
+            <p:cNvSpPr/>
+            <p:nvPr/>
+          </p:nvSpPr>
+          <p:spPr>
+            <a:xfrm>
+              <a:off x="-3030069" y="1422400"/>
+              <a:ext cx="1488141" cy="161365"/>
+            </a:xfrm>
+            <a:prstGeom prst="rect">
+              <a:avLst/>
+            </a:prstGeom>
+            <a:solidFill>
+              <a:schemeClr val="tx1"/>
+            </a:solidFill>
+            <a:ln>
+              <a:solidFill>
+                <a:schemeClr val="tx1"/>
+              </a:solidFill>
+            </a:ln>
+          </p:spPr>
+          <p:style>
+            <a:lnRef idx="2">
+              <a:schemeClr val="accent1">
+                <a:shade val="15000"/>
+              </a:schemeClr>
+            </a:lnRef>
+            <a:fillRef idx="1">
+              <a:schemeClr val="accent1"/>
+            </a:fillRef>
+            <a:effectRef idx="0">
+              <a:schemeClr val="accent1"/>
+            </a:effectRef>
+            <a:fontRef idx="minor">
+              <a:schemeClr val="lt1"/>
+            </a:fontRef>
+          </p:style>
+          <p:txBody>
+            <a:bodyPr rtlCol="0" anchor="ctr"/>
+            <a:lstStyle/>
+            <a:p>
+              <a:pPr algn="ctr"/>
+              <a:endParaRPr lang="es-ES"/>
+            </a:p>
+          </p:txBody>
+        </p:sp>
+        <p:sp>
+          <p:nvSpPr>
+            <p:cNvPr id="1027" name="Rectángulo 1026">
+              <a:extLst>
+                <a:ext uri="{FF2B5EF4-FFF2-40B4-BE49-F238E27FC236}">
+                  <a16:creationId xmlns:a16="http://schemas.microsoft.com/office/drawing/2014/main" id="{6F7F806E-8010-55D6-B9B1-F37F627D2DA3}"/>
+                </a:ext>
+              </a:extLst>
+            </p:cNvPr>
+            <p:cNvSpPr/>
+            <p:nvPr/>
+          </p:nvSpPr>
+          <p:spPr>
+            <a:xfrm>
+              <a:off x="-1541928" y="1422400"/>
+              <a:ext cx="1488141" cy="161365"/>
+            </a:xfrm>
+            <a:prstGeom prst="rect">
+              <a:avLst/>
+            </a:prstGeom>
+            <a:solidFill>
+              <a:schemeClr val="bg1"/>
+            </a:solidFill>
+            <a:ln>
+              <a:solidFill>
+                <a:schemeClr val="tx1"/>
+              </a:solidFill>
+            </a:ln>
+          </p:spPr>
+          <p:style>
+            <a:lnRef idx="2">
+              <a:schemeClr val="accent1">
+                <a:shade val="15000"/>
+              </a:schemeClr>
+            </a:lnRef>
+            <a:fillRef idx="1">
+              <a:schemeClr val="accent1"/>
+            </a:fillRef>
+            <a:effectRef idx="0">
+              <a:schemeClr val="accent1"/>
+            </a:effectRef>
+            <a:fontRef idx="minor">
+              <a:schemeClr val="lt1"/>
+            </a:fontRef>
+          </p:style>
+          <p:txBody>
+            <a:bodyPr rtlCol="0" anchor="ctr"/>
+            <a:lstStyle/>
+            <a:p>
+              <a:pPr algn="ctr"/>
+              <a:endParaRPr lang="es-ES"/>
+            </a:p>
+          </p:txBody>
+        </p:sp>
+      </p:grpSp>
+    </p:spTree>
+    <p:extLst>
+      <p:ext uri="{BB962C8B-B14F-4D97-AF65-F5344CB8AC3E}">
+        <p14:creationId xmlns:p14="http://schemas.microsoft.com/office/powerpoint/2010/main" val="1706683933"/>
+      </p:ext>
+    </p:extLst>
+  </p:cSld>
+  <p:clrMapOvr>
+    <a:masterClrMapping/>
+  </p:clrMapOvr>
+</p:sld>
+</file>
+
 <file path=ppt/theme/theme1.xml><?xml version="1.0" encoding="utf-8"?>
 <a:theme xmlns:a="http://schemas.openxmlformats.org/drawingml/2006/main" name="Tema de Office">
   <a:themeElements>
